--- a/IHP_2024/ノイズについて.pptx
+++ b/IHP_2024/ノイズについて.pptx
@@ -5,12 +5,13 @@
     <p:sldMasterId id="2147483648" r:id="rId1"/>
   </p:sldMasterIdLst>
   <p:notesMasterIdLst>
-    <p:notesMasterId r:id="rId5"/>
+    <p:notesMasterId r:id="rId6"/>
   </p:notesMasterIdLst>
   <p:sldIdLst>
     <p:sldId id="256" r:id="rId2"/>
     <p:sldId id="257" r:id="rId3"/>
-    <p:sldId id="258" r:id="rId4"/>
+    <p:sldId id="259" r:id="rId4"/>
+    <p:sldId id="258" r:id="rId5"/>
   </p:sldIdLst>
   <p:sldSz cx="12192000" cy="6858000"/>
   <p:notesSz cx="6858000" cy="9144000"/>
@@ -199,7 +200,7 @@
           <a:p>
             <a:fld id="{F8456487-DC86-474A-B4EE-F658698A396D}" type="datetimeFigureOut">
               <a:rPr kumimoji="1" lang="ja-JP" altLang="en-US" smtClean="0"/>
-              <a:t>2024/4/27</a:t>
+              <a:t>2024/5/8</a:t>
             </a:fld>
             <a:endParaRPr kumimoji="1" lang="ja-JP" altLang="en-US"/>
           </a:p>
@@ -689,7 +690,7 @@
           <a:p>
             <a:fld id="{FEB85F8A-DDB5-432B-B8BF-86E12CA3E1B5}" type="datetime1">
               <a:rPr kumimoji="1" lang="ja-JP" altLang="en-US" smtClean="0"/>
-              <a:t>2024/4/27</a:t>
+              <a:t>2024/5/8</a:t>
             </a:fld>
             <a:endParaRPr kumimoji="1" lang="ja-JP" altLang="en-US"/>
           </a:p>
@@ -1005,7 +1006,7 @@
           <a:p>
             <a:fld id="{21AF51CA-8154-4160-8313-688B08CD61D6}" type="datetime1">
               <a:rPr kumimoji="1" lang="ja-JP" altLang="en-US" smtClean="0"/>
-              <a:t>2024/4/27</a:t>
+              <a:t>2024/5/8</a:t>
             </a:fld>
             <a:endParaRPr kumimoji="1" lang="ja-JP" altLang="en-US"/>
           </a:p>
@@ -1264,7 +1265,7 @@
           <a:p>
             <a:fld id="{D5D22A7C-5C5E-4AEF-9904-8AC373CD06D1}" type="datetime1">
               <a:rPr kumimoji="1" lang="ja-JP" altLang="en-US" smtClean="0"/>
-              <a:t>2024/4/27</a:t>
+              <a:t>2024/5/8</a:t>
             </a:fld>
             <a:endParaRPr kumimoji="1" lang="ja-JP" altLang="en-US"/>
           </a:p>
@@ -1518,7 +1519,7 @@
           <a:p>
             <a:fld id="{7D14AB70-9A31-428D-80CA-6C2A71BE81C0}" type="datetime1">
               <a:rPr kumimoji="1" lang="ja-JP" altLang="en-US" smtClean="0"/>
-              <a:t>2024/4/27</a:t>
+              <a:t>2024/5/8</a:t>
             </a:fld>
             <a:endParaRPr kumimoji="1" lang="ja-JP" altLang="en-US"/>
           </a:p>
@@ -1890,7 +1891,7 @@
           <a:p>
             <a:fld id="{617D3280-2E51-4BDE-B06A-470263465AE0}" type="datetime1">
               <a:rPr kumimoji="1" lang="ja-JP" altLang="en-US" smtClean="0"/>
-              <a:t>2024/4/27</a:t>
+              <a:t>2024/5/8</a:t>
             </a:fld>
             <a:endParaRPr kumimoji="1" lang="ja-JP" altLang="en-US"/>
           </a:p>
@@ -2238,7 +2239,7 @@
           <a:p>
             <a:fld id="{534E7D8B-15CC-4ADD-A96D-E53EE0773D10}" type="datetime1">
               <a:rPr kumimoji="1" lang="ja-JP" altLang="en-US" smtClean="0"/>
-              <a:t>2024/4/27</a:t>
+              <a:t>2024/5/8</a:t>
             </a:fld>
             <a:endParaRPr kumimoji="1" lang="ja-JP" altLang="en-US"/>
           </a:p>
@@ -2733,7 +2734,7 @@
           <a:p>
             <a:fld id="{0A7E0AD5-8B2C-4807-9A34-44B53ED8C9E2}" type="datetime1">
               <a:rPr kumimoji="1" lang="ja-JP" altLang="en-US" smtClean="0"/>
-              <a:t>2024/4/27</a:t>
+              <a:t>2024/5/8</a:t>
             </a:fld>
             <a:endParaRPr kumimoji="1" lang="ja-JP" altLang="en-US"/>
           </a:p>
@@ -2904,7 +2905,7 @@
           <a:p>
             <a:fld id="{EEA6A375-72BC-45FC-83AA-00EA8839FC12}" type="datetime1">
               <a:rPr kumimoji="1" lang="ja-JP" altLang="en-US" smtClean="0"/>
-              <a:t>2024/4/27</a:t>
+              <a:t>2024/5/8</a:t>
             </a:fld>
             <a:endParaRPr kumimoji="1" lang="ja-JP" altLang="en-US"/>
           </a:p>
@@ -3103,7 +3104,7 @@
           <a:p>
             <a:fld id="{2E745049-197C-41A0-8DB6-4F32FD03AE57}" type="datetime1">
               <a:rPr kumimoji="1" lang="ja-JP" altLang="en-US" smtClean="0"/>
-              <a:t>2024/4/27</a:t>
+              <a:t>2024/5/8</a:t>
             </a:fld>
             <a:endParaRPr kumimoji="1" lang="ja-JP" altLang="en-US"/>
           </a:p>
@@ -3532,7 +3533,7 @@
           <a:p>
             <a:fld id="{C680A16C-E6A7-4756-A3F4-14C1642851C1}" type="datetime1">
               <a:rPr kumimoji="1" lang="ja-JP" altLang="en-US" smtClean="0"/>
-              <a:t>2024/4/27</a:t>
+              <a:t>2024/5/8</a:t>
             </a:fld>
             <a:endParaRPr kumimoji="1" lang="ja-JP" altLang="en-US"/>
           </a:p>
@@ -3842,7 +3843,7 @@
           <a:p>
             <a:fld id="{A56F6540-D1D8-4517-9227-190B63944A94}" type="datetime1">
               <a:rPr kumimoji="1" lang="ja-JP" altLang="en-US" smtClean="0"/>
-              <a:t>2024/4/27</a:t>
+              <a:t>2024/5/8</a:t>
             </a:fld>
             <a:endParaRPr kumimoji="1" lang="ja-JP" altLang="en-US"/>
           </a:p>
@@ -4192,7 +4193,7 @@
           <a:p>
             <a:fld id="{0FF07873-ABA9-44AB-A9BF-3A41F38C3D70}" type="datetime1">
               <a:rPr lang="ja-JP" altLang="en-US" smtClean="0"/>
-              <a:t>2024/4/27</a:t>
+              <a:t>2024/5/8</a:t>
             </a:fld>
             <a:endParaRPr lang="ja-JP" altLang="en-US" dirty="0"/>
           </a:p>
@@ -4796,7 +4797,7 @@
           <a:p>
             <a:fld id="{AB2DCCF9-1D86-4D8B-BD00-9792060EEB29}" type="datetime1">
               <a:rPr kumimoji="1" lang="ja-JP" altLang="en-US" smtClean="0"/>
-              <a:t>2024/4/27</a:t>
+              <a:t>2024/5/8</a:t>
             </a:fld>
             <a:endParaRPr kumimoji="1" lang="ja-JP" altLang="en-US"/>
           </a:p>
@@ -4912,7 +4913,7 @@
           <a:p>
             <a:fld id="{EEA6A375-72BC-45FC-83AA-00EA8839FC12}" type="datetime1">
               <a:rPr kumimoji="1" lang="ja-JP" altLang="en-US" smtClean="0"/>
-              <a:t>2024/4/27</a:t>
+              <a:t>2024/5/8</a:t>
             </a:fld>
             <a:endParaRPr kumimoji="1" lang="ja-JP" altLang="en-US"/>
           </a:p>
@@ -5011,7 +5012,7 @@
           <p:cNvPr id="2" name="タイトル 1">
             <a:extLst>
               <a:ext uri="{FF2B5EF4-FFF2-40B4-BE49-F238E27FC236}">
-                <a16:creationId xmlns:a16="http://schemas.microsoft.com/office/drawing/2014/main" id="{4FC88E30-BCF8-83C4-7570-862DDA6AFA23}"/>
+                <a16:creationId xmlns:a16="http://schemas.microsoft.com/office/drawing/2014/main" id="{A0FEAEBC-14AD-88CA-D812-3B620A21EAFF}"/>
               </a:ext>
             </a:extLst>
           </p:cNvPr>
@@ -5028,9 +5029,10 @@
           <a:lstStyle/>
           <a:p>
             <a:r>
-              <a:rPr kumimoji="1" lang="ja-JP" altLang="en-US" dirty="0"/>
-              <a:t>ノイズの発生要因</a:t>
-            </a:r>
+              <a:rPr lang="ja-JP" altLang="en-US" dirty="0"/>
+              <a:t>ノイズの表現</a:t>
+            </a:r>
+            <a:endParaRPr kumimoji="1" lang="ja-JP" altLang="en-US" dirty="0"/>
           </a:p>
         </p:txBody>
       </p:sp>
@@ -5039,7 +5041,7 @@
           <p:cNvPr id="3" name="日付プレースホルダー 2">
             <a:extLst>
               <a:ext uri="{FF2B5EF4-FFF2-40B4-BE49-F238E27FC236}">
-                <a16:creationId xmlns:a16="http://schemas.microsoft.com/office/drawing/2014/main" id="{3185A75E-42A8-2E38-72E1-247C4A8B731F}"/>
+                <a16:creationId xmlns:a16="http://schemas.microsoft.com/office/drawing/2014/main" id="{78C070EE-1D64-5B0D-A74D-8F92C634B781}"/>
               </a:ext>
             </a:extLst>
           </p:cNvPr>
@@ -5057,7 +5059,7 @@
           <a:p>
             <a:fld id="{EEA6A375-72BC-45FC-83AA-00EA8839FC12}" type="datetime1">
               <a:rPr kumimoji="1" lang="ja-JP" altLang="en-US" smtClean="0"/>
-              <a:t>2024/4/27</a:t>
+              <a:t>2024/5/8</a:t>
             </a:fld>
             <a:endParaRPr kumimoji="1" lang="ja-JP" altLang="en-US"/>
           </a:p>
@@ -5068,7 +5070,7 @@
           <p:cNvPr id="4" name="スライド番号プレースホルダー 3">
             <a:extLst>
               <a:ext uri="{FF2B5EF4-FFF2-40B4-BE49-F238E27FC236}">
-                <a16:creationId xmlns:a16="http://schemas.microsoft.com/office/drawing/2014/main" id="{888D34A7-E577-9D12-8CC9-5B5257D257D7}"/>
+                <a16:creationId xmlns:a16="http://schemas.microsoft.com/office/drawing/2014/main" id="{08BC4042-22C8-34A2-04D8-C22E3555BFDD}"/>
               </a:ext>
             </a:extLst>
           </p:cNvPr>
@@ -5087,6 +5089,221 @@
             <a:fld id="{6294761A-CFE9-4878-87A7-90ECABD59CE5}" type="slidenum">
               <a:rPr kumimoji="1" lang="ja-JP" altLang="en-US" smtClean="0"/>
               <a:t>3</a:t>
+            </a:fld>
+            <a:endParaRPr kumimoji="1" lang="ja-JP" altLang="en-US"/>
+          </a:p>
+        </p:txBody>
+      </p:sp>
+      <p:sp>
+        <p:nvSpPr>
+          <p:cNvPr id="5" name="フッター プレースホルダー 4">
+            <a:extLst>
+              <a:ext uri="{FF2B5EF4-FFF2-40B4-BE49-F238E27FC236}">
+                <a16:creationId xmlns:a16="http://schemas.microsoft.com/office/drawing/2014/main" id="{B86EB233-1F7E-2344-6993-CAF067F0598A}"/>
+              </a:ext>
+            </a:extLst>
+          </p:cNvPr>
+          <p:cNvSpPr>
+            <a:spLocks noGrp="1"/>
+          </p:cNvSpPr>
+          <p:nvPr>
+            <p:ph type="ftr" sz="quarter" idx="3"/>
+          </p:nvPr>
+        </p:nvSpPr>
+        <p:spPr/>
+        <p:txBody>
+          <a:bodyPr/>
+          <a:lstStyle/>
+          <a:p>
+            <a:r>
+              <a:rPr lang="en-US" altLang="ja-JP"/>
+              <a:t>Wave Signal Processing Circuit Laboratory,  Meiji University</a:t>
+            </a:r>
+            <a:endParaRPr lang="en-US" altLang="ja-JP" dirty="0"/>
+          </a:p>
+        </p:txBody>
+      </p:sp>
+      <p:sp>
+        <p:nvSpPr>
+          <p:cNvPr id="6" name="テキスト ボックス 5">
+            <a:extLst>
+              <a:ext uri="{FF2B5EF4-FFF2-40B4-BE49-F238E27FC236}">
+                <a16:creationId xmlns:a16="http://schemas.microsoft.com/office/drawing/2014/main" id="{CE414433-7354-52D0-8E7E-702E30C67F7C}"/>
+              </a:ext>
+            </a:extLst>
+          </p:cNvPr>
+          <p:cNvSpPr txBox="1"/>
+          <p:nvPr/>
+        </p:nvSpPr>
+        <p:spPr>
+          <a:xfrm>
+            <a:off x="827314" y="2795451"/>
+            <a:ext cx="9553303" cy="1569660"/>
+          </a:xfrm>
+          <a:prstGeom prst="rect">
+            <a:avLst/>
+          </a:prstGeom>
+          <a:noFill/>
+        </p:spPr>
+        <p:txBody>
+          <a:bodyPr wrap="square" rtlCol="0">
+            <a:spAutoFit/>
+          </a:bodyPr>
+          <a:lstStyle/>
+          <a:p>
+            <a:pPr algn="l"/>
+            <a:r>
+              <a:rPr kumimoji="1" lang="ja-JP" altLang="en-US" sz="2400" dirty="0"/>
+              <a:t>ノイズは様々な振幅を持つ幅広い周波数の信号の重ね合わせ。</a:t>
+            </a:r>
+            <a:endParaRPr kumimoji="1" lang="en-US" altLang="ja-JP" sz="2400" dirty="0"/>
+          </a:p>
+          <a:p>
+            <a:pPr algn="l"/>
+            <a:r>
+              <a:rPr lang="ja-JP" altLang="en-US" sz="2400" dirty="0"/>
+              <a:t>⇩</a:t>
+            </a:r>
+            <a:endParaRPr lang="en-US" altLang="ja-JP" sz="2400"/>
+          </a:p>
+          <a:p>
+            <a:pPr algn="l"/>
+            <a:endParaRPr lang="en-US" altLang="ja-JP" sz="2400"/>
+          </a:p>
+          <a:p>
+            <a:pPr algn="l"/>
+            <a:endParaRPr kumimoji="1" lang="ja-JP" altLang="en-US" sz="2400" dirty="0"/>
+          </a:p>
+        </p:txBody>
+      </p:sp>
+    </p:spTree>
+    <p:extLst>
+      <p:ext uri="{BB962C8B-B14F-4D97-AF65-F5344CB8AC3E}">
+        <p14:creationId xmlns:p14="http://schemas.microsoft.com/office/powerpoint/2010/main" val="1340575678"/>
+      </p:ext>
+    </p:extLst>
+  </p:cSld>
+  <p:clrMapOvr>
+    <a:masterClrMapping/>
+  </p:clrMapOvr>
+</p:sld>
+</file>
+
+<file path=ppt/slides/slide4.xml><?xml version="1.0" encoding="utf-8"?>
+<p:sld xmlns:a="http://schemas.openxmlformats.org/drawingml/2006/main" xmlns:r="http://schemas.openxmlformats.org/officeDocument/2006/relationships" xmlns:p="http://schemas.openxmlformats.org/presentationml/2006/main">
+  <p:cSld>
+    <p:spTree>
+      <p:nvGrpSpPr>
+        <p:cNvPr id="1" name=""/>
+        <p:cNvGrpSpPr/>
+        <p:nvPr/>
+      </p:nvGrpSpPr>
+      <p:grpSpPr>
+        <a:xfrm>
+          <a:off x="0" y="0"/>
+          <a:ext cx="0" cy="0"/>
+          <a:chOff x="0" y="0"/>
+          <a:chExt cx="0" cy="0"/>
+        </a:xfrm>
+      </p:grpSpPr>
+      <p:sp>
+        <p:nvSpPr>
+          <p:cNvPr id="2" name="タイトル 1">
+            <a:extLst>
+              <a:ext uri="{FF2B5EF4-FFF2-40B4-BE49-F238E27FC236}">
+                <a16:creationId xmlns:a16="http://schemas.microsoft.com/office/drawing/2014/main" id="{4FC88E30-BCF8-83C4-7570-862DDA6AFA23}"/>
+              </a:ext>
+            </a:extLst>
+          </p:cNvPr>
+          <p:cNvSpPr>
+            <a:spLocks noGrp="1"/>
+          </p:cNvSpPr>
+          <p:nvPr>
+            <p:ph type="title"/>
+          </p:nvPr>
+        </p:nvSpPr>
+        <p:spPr/>
+        <p:txBody>
+          <a:bodyPr/>
+          <a:lstStyle/>
+          <a:p>
+            <a:r>
+              <a:rPr kumimoji="1" lang="ja-JP" altLang="en-US" dirty="0"/>
+              <a:t>ノイズの発生要因</a:t>
+            </a:r>
+            <a:r>
+              <a:rPr lang="en-US" altLang="ja-JP" dirty="0"/>
+              <a:t>-thermal</a:t>
+            </a:r>
+            <a:r>
+              <a:rPr lang="ja-JP" altLang="en-US" dirty="0"/>
+              <a:t> </a:t>
+            </a:r>
+            <a:r>
+              <a:rPr lang="en-US" altLang="ja-JP" dirty="0" err="1"/>
+              <a:t>noize</a:t>
+            </a:r>
+            <a:r>
+              <a:rPr lang="en-US" altLang="ja-JP" dirty="0"/>
+              <a:t>-</a:t>
+            </a:r>
+            <a:endParaRPr kumimoji="1" lang="ja-JP" altLang="en-US" dirty="0"/>
+          </a:p>
+        </p:txBody>
+      </p:sp>
+      <p:sp>
+        <p:nvSpPr>
+          <p:cNvPr id="3" name="日付プレースホルダー 2">
+            <a:extLst>
+              <a:ext uri="{FF2B5EF4-FFF2-40B4-BE49-F238E27FC236}">
+                <a16:creationId xmlns:a16="http://schemas.microsoft.com/office/drawing/2014/main" id="{3185A75E-42A8-2E38-72E1-247C4A8B731F}"/>
+              </a:ext>
+            </a:extLst>
+          </p:cNvPr>
+          <p:cNvSpPr>
+            <a:spLocks noGrp="1"/>
+          </p:cNvSpPr>
+          <p:nvPr>
+            <p:ph type="dt" sz="half" idx="10"/>
+          </p:nvPr>
+        </p:nvSpPr>
+        <p:spPr/>
+        <p:txBody>
+          <a:bodyPr/>
+          <a:lstStyle/>
+          <a:p>
+            <a:fld id="{EEA6A375-72BC-45FC-83AA-00EA8839FC12}" type="datetime1">
+              <a:rPr kumimoji="1" lang="ja-JP" altLang="en-US" smtClean="0"/>
+              <a:t>2024/5/8</a:t>
+            </a:fld>
+            <a:endParaRPr kumimoji="1" lang="ja-JP" altLang="en-US"/>
+          </a:p>
+        </p:txBody>
+      </p:sp>
+      <p:sp>
+        <p:nvSpPr>
+          <p:cNvPr id="4" name="スライド番号プレースホルダー 3">
+            <a:extLst>
+              <a:ext uri="{FF2B5EF4-FFF2-40B4-BE49-F238E27FC236}">
+                <a16:creationId xmlns:a16="http://schemas.microsoft.com/office/drawing/2014/main" id="{888D34A7-E577-9D12-8CC9-5B5257D257D7}"/>
+              </a:ext>
+            </a:extLst>
+          </p:cNvPr>
+          <p:cNvSpPr>
+            <a:spLocks noGrp="1"/>
+          </p:cNvSpPr>
+          <p:nvPr>
+            <p:ph type="sldNum" sz="quarter" idx="12"/>
+          </p:nvPr>
+        </p:nvSpPr>
+        <p:spPr/>
+        <p:txBody>
+          <a:bodyPr/>
+          <a:lstStyle/>
+          <a:p>
+            <a:fld id="{6294761A-CFE9-4878-87A7-90ECABD59CE5}" type="slidenum">
+              <a:rPr kumimoji="1" lang="ja-JP" altLang="en-US" smtClean="0"/>
+              <a:t>4</a:t>
             </a:fld>
             <a:endParaRPr kumimoji="1" lang="ja-JP" altLang="en-US"/>
           </a:p>

--- a/IHP_2024/ノイズについて.pptx
+++ b/IHP_2024/ノイズについて.pptx
@@ -5,13 +5,14 @@
     <p:sldMasterId id="2147483648" r:id="rId1"/>
   </p:sldMasterIdLst>
   <p:notesMasterIdLst>
-    <p:notesMasterId r:id="rId6"/>
+    <p:notesMasterId r:id="rId7"/>
   </p:notesMasterIdLst>
   <p:sldIdLst>
     <p:sldId id="256" r:id="rId2"/>
     <p:sldId id="257" r:id="rId3"/>
     <p:sldId id="259" r:id="rId4"/>
-    <p:sldId id="258" r:id="rId5"/>
+    <p:sldId id="260" r:id="rId5"/>
+    <p:sldId id="258" r:id="rId6"/>
   </p:sldIdLst>
   <p:sldSz cx="12192000" cy="6858000"/>
   <p:notesSz cx="6858000" cy="9144000"/>
@@ -200,7 +201,7 @@
           <a:p>
             <a:fld id="{F8456487-DC86-474A-B4EE-F658698A396D}" type="datetimeFigureOut">
               <a:rPr kumimoji="1" lang="ja-JP" altLang="en-US" smtClean="0"/>
-              <a:t>2024/5/8</a:t>
+              <a:t>2024/5/9</a:t>
             </a:fld>
             <a:endParaRPr kumimoji="1" lang="ja-JP" altLang="en-US"/>
           </a:p>
@@ -690,7 +691,7 @@
           <a:p>
             <a:fld id="{FEB85F8A-DDB5-432B-B8BF-86E12CA3E1B5}" type="datetime1">
               <a:rPr kumimoji="1" lang="ja-JP" altLang="en-US" smtClean="0"/>
-              <a:t>2024/5/8</a:t>
+              <a:t>2024/5/9</a:t>
             </a:fld>
             <a:endParaRPr kumimoji="1" lang="ja-JP" altLang="en-US"/>
           </a:p>
@@ -1006,7 +1007,7 @@
           <a:p>
             <a:fld id="{21AF51CA-8154-4160-8313-688B08CD61D6}" type="datetime1">
               <a:rPr kumimoji="1" lang="ja-JP" altLang="en-US" smtClean="0"/>
-              <a:t>2024/5/8</a:t>
+              <a:t>2024/5/9</a:t>
             </a:fld>
             <a:endParaRPr kumimoji="1" lang="ja-JP" altLang="en-US"/>
           </a:p>
@@ -1265,7 +1266,7 @@
           <a:p>
             <a:fld id="{D5D22A7C-5C5E-4AEF-9904-8AC373CD06D1}" type="datetime1">
               <a:rPr kumimoji="1" lang="ja-JP" altLang="en-US" smtClean="0"/>
-              <a:t>2024/5/8</a:t>
+              <a:t>2024/5/9</a:t>
             </a:fld>
             <a:endParaRPr kumimoji="1" lang="ja-JP" altLang="en-US"/>
           </a:p>
@@ -1519,7 +1520,7 @@
           <a:p>
             <a:fld id="{7D14AB70-9A31-428D-80CA-6C2A71BE81C0}" type="datetime1">
               <a:rPr kumimoji="1" lang="ja-JP" altLang="en-US" smtClean="0"/>
-              <a:t>2024/5/8</a:t>
+              <a:t>2024/5/9</a:t>
             </a:fld>
             <a:endParaRPr kumimoji="1" lang="ja-JP" altLang="en-US"/>
           </a:p>
@@ -1891,7 +1892,7 @@
           <a:p>
             <a:fld id="{617D3280-2E51-4BDE-B06A-470263465AE0}" type="datetime1">
               <a:rPr kumimoji="1" lang="ja-JP" altLang="en-US" smtClean="0"/>
-              <a:t>2024/5/8</a:t>
+              <a:t>2024/5/9</a:t>
             </a:fld>
             <a:endParaRPr kumimoji="1" lang="ja-JP" altLang="en-US"/>
           </a:p>
@@ -2239,7 +2240,7 @@
           <a:p>
             <a:fld id="{534E7D8B-15CC-4ADD-A96D-E53EE0773D10}" type="datetime1">
               <a:rPr kumimoji="1" lang="ja-JP" altLang="en-US" smtClean="0"/>
-              <a:t>2024/5/8</a:t>
+              <a:t>2024/5/9</a:t>
             </a:fld>
             <a:endParaRPr kumimoji="1" lang="ja-JP" altLang="en-US"/>
           </a:p>
@@ -2734,7 +2735,7 @@
           <a:p>
             <a:fld id="{0A7E0AD5-8B2C-4807-9A34-44B53ED8C9E2}" type="datetime1">
               <a:rPr kumimoji="1" lang="ja-JP" altLang="en-US" smtClean="0"/>
-              <a:t>2024/5/8</a:t>
+              <a:t>2024/5/9</a:t>
             </a:fld>
             <a:endParaRPr kumimoji="1" lang="ja-JP" altLang="en-US"/>
           </a:p>
@@ -2905,7 +2906,7 @@
           <a:p>
             <a:fld id="{EEA6A375-72BC-45FC-83AA-00EA8839FC12}" type="datetime1">
               <a:rPr kumimoji="1" lang="ja-JP" altLang="en-US" smtClean="0"/>
-              <a:t>2024/5/8</a:t>
+              <a:t>2024/5/9</a:t>
             </a:fld>
             <a:endParaRPr kumimoji="1" lang="ja-JP" altLang="en-US"/>
           </a:p>
@@ -3104,7 +3105,7 @@
           <a:p>
             <a:fld id="{2E745049-197C-41A0-8DB6-4F32FD03AE57}" type="datetime1">
               <a:rPr kumimoji="1" lang="ja-JP" altLang="en-US" smtClean="0"/>
-              <a:t>2024/5/8</a:t>
+              <a:t>2024/5/9</a:t>
             </a:fld>
             <a:endParaRPr kumimoji="1" lang="ja-JP" altLang="en-US"/>
           </a:p>
@@ -3533,7 +3534,7 @@
           <a:p>
             <a:fld id="{C680A16C-E6A7-4756-A3F4-14C1642851C1}" type="datetime1">
               <a:rPr kumimoji="1" lang="ja-JP" altLang="en-US" smtClean="0"/>
-              <a:t>2024/5/8</a:t>
+              <a:t>2024/5/9</a:t>
             </a:fld>
             <a:endParaRPr kumimoji="1" lang="ja-JP" altLang="en-US"/>
           </a:p>
@@ -3843,7 +3844,7 @@
           <a:p>
             <a:fld id="{A56F6540-D1D8-4517-9227-190B63944A94}" type="datetime1">
               <a:rPr kumimoji="1" lang="ja-JP" altLang="en-US" smtClean="0"/>
-              <a:t>2024/5/8</a:t>
+              <a:t>2024/5/9</a:t>
             </a:fld>
             <a:endParaRPr kumimoji="1" lang="ja-JP" altLang="en-US"/>
           </a:p>
@@ -4193,7 +4194,7 @@
           <a:p>
             <a:fld id="{0FF07873-ABA9-44AB-A9BF-3A41F38C3D70}" type="datetime1">
               <a:rPr lang="ja-JP" altLang="en-US" smtClean="0"/>
-              <a:t>2024/5/8</a:t>
+              <a:t>2024/5/9</a:t>
             </a:fld>
             <a:endParaRPr lang="ja-JP" altLang="en-US" dirty="0"/>
           </a:p>
@@ -4797,7 +4798,7 @@
           <a:p>
             <a:fld id="{AB2DCCF9-1D86-4D8B-BD00-9792060EEB29}" type="datetime1">
               <a:rPr kumimoji="1" lang="ja-JP" altLang="en-US" smtClean="0"/>
-              <a:t>2024/5/8</a:t>
+              <a:t>2024/5/9</a:t>
             </a:fld>
             <a:endParaRPr kumimoji="1" lang="ja-JP" altLang="en-US"/>
           </a:p>
@@ -4913,7 +4914,7 @@
           <a:p>
             <a:fld id="{EEA6A375-72BC-45FC-83AA-00EA8839FC12}" type="datetime1">
               <a:rPr kumimoji="1" lang="ja-JP" altLang="en-US" smtClean="0"/>
-              <a:t>2024/5/8</a:t>
+              <a:t>2024/5/9</a:t>
             </a:fld>
             <a:endParaRPr kumimoji="1" lang="ja-JP" altLang="en-US"/>
           </a:p>
@@ -5059,7 +5060,7 @@
           <a:p>
             <a:fld id="{EEA6A375-72BC-45FC-83AA-00EA8839FC12}" type="datetime1">
               <a:rPr kumimoji="1" lang="ja-JP" altLang="en-US" smtClean="0"/>
-              <a:t>2024/5/8</a:t>
+              <a:t>2024/5/9</a:t>
             </a:fld>
             <a:endParaRPr kumimoji="1" lang="ja-JP" altLang="en-US"/>
           </a:p>
@@ -5137,7 +5138,7 @@
         </p:nvSpPr>
         <p:spPr>
           <a:xfrm>
-            <a:off x="827314" y="2795451"/>
+            <a:off x="1319348" y="2999285"/>
             <a:ext cx="9553303" cy="1569660"/>
           </a:xfrm>
           <a:prstGeom prst="rect">
@@ -5151,7 +5152,7 @@
           </a:bodyPr>
           <a:lstStyle/>
           <a:p>
-            <a:pPr algn="l"/>
+            <a:pPr algn="ctr"/>
             <a:r>
               <a:rPr kumimoji="1" lang="ja-JP" altLang="en-US" sz="2400" dirty="0"/>
               <a:t>ノイズは様々な振幅を持つ幅広い周波数の信号の重ね合わせ。</a:t>
@@ -5159,19 +5160,23 @@
             <a:endParaRPr kumimoji="1" lang="en-US" altLang="ja-JP" sz="2400" dirty="0"/>
           </a:p>
           <a:p>
-            <a:pPr algn="l"/>
+            <a:pPr algn="ctr"/>
             <a:r>
               <a:rPr lang="ja-JP" altLang="en-US" sz="2400" dirty="0"/>
               <a:t>⇩</a:t>
             </a:r>
-            <a:endParaRPr lang="en-US" altLang="ja-JP" sz="2400"/>
-          </a:p>
-          <a:p>
-            <a:pPr algn="l"/>
-            <a:endParaRPr lang="en-US" altLang="ja-JP" sz="2400"/>
-          </a:p>
-          <a:p>
-            <a:pPr algn="l"/>
+            <a:endParaRPr lang="en-US" altLang="ja-JP" sz="2400" dirty="0"/>
+          </a:p>
+          <a:p>
+            <a:pPr algn="ctr"/>
+            <a:r>
+              <a:rPr lang="ja-JP" altLang="en-US" sz="2400" dirty="0"/>
+              <a:t>電力のスペクトルとして評価する</a:t>
+            </a:r>
+            <a:endParaRPr lang="en-US" altLang="ja-JP" sz="2400" dirty="0"/>
+          </a:p>
+          <a:p>
+            <a:pPr algn="ctr"/>
             <a:endParaRPr kumimoji="1" lang="ja-JP" altLang="en-US" sz="2400" dirty="0"/>
           </a:p>
         </p:txBody>
@@ -5211,7 +5216,7 @@
           <p:cNvPr id="2" name="タイトル 1">
             <a:extLst>
               <a:ext uri="{FF2B5EF4-FFF2-40B4-BE49-F238E27FC236}">
-                <a16:creationId xmlns:a16="http://schemas.microsoft.com/office/drawing/2014/main" id="{4FC88E30-BCF8-83C4-7570-862DDA6AFA23}"/>
+                <a16:creationId xmlns:a16="http://schemas.microsoft.com/office/drawing/2014/main" id="{A1ED4198-2407-05B2-2B04-B919A8B39AC2}"/>
               </a:ext>
             </a:extLst>
           </p:cNvPr>
@@ -5233,7 +5238,7 @@
             </a:r>
             <a:r>
               <a:rPr lang="en-US" altLang="ja-JP" dirty="0"/>
-              <a:t>-thermal</a:t>
+              <a:t>-shot</a:t>
             </a:r>
             <a:r>
               <a:rPr lang="ja-JP" altLang="en-US" dirty="0"/>
@@ -5256,7 +5261,7 @@
           <p:cNvPr id="3" name="日付プレースホルダー 2">
             <a:extLst>
               <a:ext uri="{FF2B5EF4-FFF2-40B4-BE49-F238E27FC236}">
-                <a16:creationId xmlns:a16="http://schemas.microsoft.com/office/drawing/2014/main" id="{3185A75E-42A8-2E38-72E1-247C4A8B731F}"/>
+                <a16:creationId xmlns:a16="http://schemas.microsoft.com/office/drawing/2014/main" id="{6650B078-29FE-FD26-555D-E77581E12EFC}"/>
               </a:ext>
             </a:extLst>
           </p:cNvPr>
@@ -5274,7 +5279,7 @@
           <a:p>
             <a:fld id="{EEA6A375-72BC-45FC-83AA-00EA8839FC12}" type="datetime1">
               <a:rPr kumimoji="1" lang="ja-JP" altLang="en-US" smtClean="0"/>
-              <a:t>2024/5/8</a:t>
+              <a:t>2024/5/9</a:t>
             </a:fld>
             <a:endParaRPr kumimoji="1" lang="ja-JP" altLang="en-US"/>
           </a:p>
@@ -5285,7 +5290,7 @@
           <p:cNvPr id="4" name="スライド番号プレースホルダー 3">
             <a:extLst>
               <a:ext uri="{FF2B5EF4-FFF2-40B4-BE49-F238E27FC236}">
-                <a16:creationId xmlns:a16="http://schemas.microsoft.com/office/drawing/2014/main" id="{888D34A7-E577-9D12-8CC9-5B5257D257D7}"/>
+                <a16:creationId xmlns:a16="http://schemas.microsoft.com/office/drawing/2014/main" id="{169ACB65-DCD2-F6CC-975A-16102FAEADD1}"/>
               </a:ext>
             </a:extLst>
           </p:cNvPr>
@@ -5304,6 +5309,407 @@
             <a:fld id="{6294761A-CFE9-4878-87A7-90ECABD59CE5}" type="slidenum">
               <a:rPr kumimoji="1" lang="ja-JP" altLang="en-US" smtClean="0"/>
               <a:t>4</a:t>
+            </a:fld>
+            <a:endParaRPr kumimoji="1" lang="ja-JP" altLang="en-US"/>
+          </a:p>
+        </p:txBody>
+      </p:sp>
+      <p:sp>
+        <p:nvSpPr>
+          <p:cNvPr id="5" name="フッター プレースホルダー 4">
+            <a:extLst>
+              <a:ext uri="{FF2B5EF4-FFF2-40B4-BE49-F238E27FC236}">
+                <a16:creationId xmlns:a16="http://schemas.microsoft.com/office/drawing/2014/main" id="{5ABB87A3-FC4E-1938-8971-D453232D5D0F}"/>
+              </a:ext>
+            </a:extLst>
+          </p:cNvPr>
+          <p:cNvSpPr>
+            <a:spLocks noGrp="1"/>
+          </p:cNvSpPr>
+          <p:nvPr>
+            <p:ph type="ftr" sz="quarter" idx="3"/>
+          </p:nvPr>
+        </p:nvSpPr>
+        <p:spPr/>
+        <p:txBody>
+          <a:bodyPr/>
+          <a:lstStyle/>
+          <a:p>
+            <a:r>
+              <a:rPr lang="en-US" altLang="ja-JP"/>
+              <a:t>Wave Signal Processing Circuit Laboratory,  Meiji University</a:t>
+            </a:r>
+            <a:endParaRPr lang="en-US" altLang="ja-JP" dirty="0"/>
+          </a:p>
+        </p:txBody>
+      </p:sp>
+      <mc:AlternateContent xmlns:mc="http://schemas.openxmlformats.org/markup-compatibility/2006">
+        <mc:Choice xmlns:a14="http://schemas.microsoft.com/office/drawing/2010/main" Requires="a14">
+          <p:sp>
+            <p:nvSpPr>
+              <p:cNvPr id="6" name="テキスト ボックス 5">
+                <a:extLst>
+                  <a:ext uri="{FF2B5EF4-FFF2-40B4-BE49-F238E27FC236}">
+                    <a16:creationId xmlns:a16="http://schemas.microsoft.com/office/drawing/2014/main" id="{73AB9DE6-7F91-0275-167C-A5085F67BC06}"/>
+                  </a:ext>
+                </a:extLst>
+              </p:cNvPr>
+              <p:cNvSpPr txBox="1"/>
+              <p:nvPr/>
+            </p:nvSpPr>
+            <p:spPr>
+              <a:xfrm>
+                <a:off x="2098765" y="2090692"/>
+                <a:ext cx="7994469" cy="2009461"/>
+              </a:xfrm>
+              <a:prstGeom prst="rect">
+                <a:avLst/>
+              </a:prstGeom>
+              <a:noFill/>
+            </p:spPr>
+            <p:txBody>
+              <a:bodyPr wrap="square" rtlCol="0">
+                <a:spAutoFit/>
+              </a:bodyPr>
+              <a:lstStyle/>
+              <a:p>
+                <a:pPr algn="l"/>
+                <a:r>
+                  <a:rPr lang="ja-JP" altLang="en-US" sz="2400" dirty="0"/>
+                  <a:t>ダイオードの接合部をキャリアが超えるときに発生する。</a:t>
+                </a:r>
+                <a:endParaRPr lang="en-US" altLang="ja-JP" sz="2400" dirty="0"/>
+              </a:p>
+              <a:p>
+                <a:pPr algn="l"/>
+                <a:r>
+                  <a:rPr kumimoji="1" lang="ja-JP" altLang="en-US" sz="2400" dirty="0"/>
+                  <a:t>ランダムであり、電流に比例してショットノイズは増加するので、大きさは</a:t>
+                </a:r>
+                <a:endParaRPr lang="en-US" altLang="ja-JP" sz="2400" dirty="0"/>
+              </a:p>
+              <a:p>
+                <a:pPr algn="l"/>
+                <a14:m>
+                  <m:oMathPara xmlns:m="http://schemas.openxmlformats.org/officeDocument/2006/math">
+                    <m:oMathParaPr>
+                      <m:jc m:val="centerGroup"/>
+                    </m:oMathParaPr>
+                    <m:oMath xmlns:m="http://schemas.openxmlformats.org/officeDocument/2006/math">
+                      <m:bar>
+                        <m:barPr>
+                          <m:pos m:val="top"/>
+                          <m:ctrlPr>
+                            <a:rPr lang="en-US" altLang="ja-JP" sz="2400" b="0" i="1" smtClean="0">
+                              <a:latin typeface="Cambria Math" panose="02040503050406030204" pitchFamily="18" charset="0"/>
+                            </a:rPr>
+                          </m:ctrlPr>
+                        </m:barPr>
+                        <m:e>
+                          <m:sSup>
+                            <m:sSupPr>
+                              <m:ctrlPr>
+                                <a:rPr lang="en-US" altLang="ja-JP" sz="2400" b="0" i="1" smtClean="0">
+                                  <a:latin typeface="Cambria Math" panose="02040503050406030204" pitchFamily="18" charset="0"/>
+                                </a:rPr>
+                              </m:ctrlPr>
+                            </m:sSupPr>
+                            <m:e>
+                              <m:r>
+                                <a:rPr lang="en-US" altLang="ja-JP" sz="2400" b="0" i="1" smtClean="0">
+                                  <a:latin typeface="Cambria Math" panose="02040503050406030204" pitchFamily="18" charset="0"/>
+                                </a:rPr>
+                                <m:t>𝑖</m:t>
+                              </m:r>
+                            </m:e>
+                            <m:sup>
+                              <m:r>
+                                <a:rPr lang="en-US" altLang="ja-JP" sz="2400" b="0" i="1" smtClean="0">
+                                  <a:latin typeface="Cambria Math" panose="02040503050406030204" pitchFamily="18" charset="0"/>
+                                </a:rPr>
+                                <m:t>2</m:t>
+                              </m:r>
+                            </m:sup>
+                          </m:sSup>
+                        </m:e>
+                      </m:bar>
+                      <m:r>
+                        <a:rPr lang="en-US" altLang="ja-JP" sz="2400" b="0" i="1" smtClean="0">
+                          <a:latin typeface="Cambria Math" panose="02040503050406030204" pitchFamily="18" charset="0"/>
+                        </a:rPr>
+                        <m:t>=2</m:t>
+                      </m:r>
+                      <m:r>
+                        <a:rPr lang="en-US" altLang="ja-JP" sz="2400" b="0" i="1" smtClean="0">
+                          <a:latin typeface="Cambria Math" panose="02040503050406030204" pitchFamily="18" charset="0"/>
+                        </a:rPr>
+                        <m:t>𝑞</m:t>
+                      </m:r>
+                      <m:sSub>
+                        <m:sSubPr>
+                          <m:ctrlPr>
+                            <a:rPr lang="en-US" altLang="ja-JP" sz="2400" b="0" i="1" smtClean="0">
+                              <a:latin typeface="Cambria Math" panose="02040503050406030204" pitchFamily="18" charset="0"/>
+                            </a:rPr>
+                          </m:ctrlPr>
+                        </m:sSubPr>
+                        <m:e>
+                          <m:r>
+                            <a:rPr lang="en-US" altLang="ja-JP" sz="2400" b="0" i="1" smtClean="0">
+                              <a:latin typeface="Cambria Math" panose="02040503050406030204" pitchFamily="18" charset="0"/>
+                            </a:rPr>
+                            <m:t>𝐼</m:t>
+                          </m:r>
+                        </m:e>
+                        <m:sub>
+                          <m:r>
+                            <a:rPr lang="en-US" altLang="ja-JP" sz="2400" b="0" i="1" smtClean="0">
+                              <a:latin typeface="Cambria Math" panose="02040503050406030204" pitchFamily="18" charset="0"/>
+                            </a:rPr>
+                            <m:t>𝐷</m:t>
+                          </m:r>
+                        </m:sub>
+                      </m:sSub>
+                      <m:r>
+                        <m:rPr>
+                          <m:sty m:val="p"/>
+                        </m:rPr>
+                        <a:rPr lang="en-US" altLang="ja-JP" sz="2400" b="0" i="0" smtClean="0">
+                          <a:latin typeface="Cambria Math" panose="02040503050406030204" pitchFamily="18" charset="0"/>
+                        </a:rPr>
+                        <m:t>Δ</m:t>
+                      </m:r>
+                      <m:r>
+                        <a:rPr lang="en-US" altLang="ja-JP" sz="2400" b="0" i="1" smtClean="0">
+                          <a:latin typeface="Cambria Math" panose="02040503050406030204" pitchFamily="18" charset="0"/>
+                        </a:rPr>
+                        <m:t>𝑓</m:t>
+                      </m:r>
+                    </m:oMath>
+                  </m:oMathPara>
+                </a14:m>
+                <a:endParaRPr lang="en-US" altLang="ja-JP" sz="2400" dirty="0"/>
+              </a:p>
+              <a:p>
+                <a:pPr algn="l"/>
+                <a:r>
+                  <a:rPr lang="ja-JP" altLang="en-US" sz="2400" dirty="0"/>
+                  <a:t>で表現できる。</a:t>
+                </a:r>
+                <a:endParaRPr lang="en-US" altLang="ja-JP" sz="2400" dirty="0"/>
+              </a:p>
+            </p:txBody>
+          </p:sp>
+        </mc:Choice>
+        <mc:Fallback>
+          <p:sp>
+            <p:nvSpPr>
+              <p:cNvPr id="6" name="テキスト ボックス 5">
+                <a:extLst>
+                  <a:ext uri="{FF2B5EF4-FFF2-40B4-BE49-F238E27FC236}">
+                    <a16:creationId xmlns:a16="http://schemas.microsoft.com/office/drawing/2014/main" id="{73AB9DE6-7F91-0275-167C-A5085F67BC06}"/>
+                  </a:ext>
+                </a:extLst>
+              </p:cNvPr>
+              <p:cNvSpPr txBox="1">
+                <a:spLocks noRot="1" noChangeAspect="1" noMove="1" noResize="1" noEditPoints="1" noAdjustHandles="1" noChangeArrowheads="1" noChangeShapeType="1" noTextEdit="1"/>
+              </p:cNvSpPr>
+              <p:nvPr/>
+            </p:nvSpPr>
+            <p:spPr>
+              <a:xfrm>
+                <a:off x="2098765" y="2090692"/>
+                <a:ext cx="7994469" cy="2009461"/>
+              </a:xfrm>
+              <a:prstGeom prst="rect">
+                <a:avLst/>
+              </a:prstGeom>
+              <a:blipFill>
+                <a:blip r:embed="rId2"/>
+                <a:stretch>
+                  <a:fillRect l="-1143" t="-2424" r="-2591" b="-5758"/>
+                </a:stretch>
+              </a:blipFill>
+            </p:spPr>
+            <p:txBody>
+              <a:bodyPr/>
+              <a:lstStyle/>
+              <a:p>
+                <a:r>
+                  <a:rPr lang="ja-JP" altLang="en-US">
+                    <a:noFill/>
+                  </a:rPr>
+                  <a:t> </a:t>
+                </a:r>
+              </a:p>
+            </p:txBody>
+          </p:sp>
+        </mc:Fallback>
+      </mc:AlternateContent>
+      <p:pic>
+        <p:nvPicPr>
+          <p:cNvPr id="8" name="図 7" descr="ロゴ&#10;&#10;自動的に生成された説明">
+            <a:extLst>
+              <a:ext uri="{FF2B5EF4-FFF2-40B4-BE49-F238E27FC236}">
+                <a16:creationId xmlns:a16="http://schemas.microsoft.com/office/drawing/2014/main" id="{A7B18B36-8A4B-A673-F29B-02D296D08342}"/>
+              </a:ext>
+            </a:extLst>
+          </p:cNvPr>
+          <p:cNvPicPr>
+            <a:picLocks noChangeAspect="1"/>
+          </p:cNvPicPr>
+          <p:nvPr/>
+        </p:nvPicPr>
+        <p:blipFill>
+          <a:blip r:embed="rId3">
+            <a:extLst>
+              <a:ext uri="{28A0092B-C50C-407E-A947-70E740481C1C}">
+                <a14:useLocalDpi xmlns:a14="http://schemas.microsoft.com/office/drawing/2010/main" val="0"/>
+              </a:ext>
+            </a:extLst>
+          </a:blip>
+          <a:stretch>
+            <a:fillRect/>
+          </a:stretch>
+        </p:blipFill>
+        <p:spPr>
+          <a:xfrm>
+            <a:off x="4232143" y="4734848"/>
+            <a:ext cx="4581153" cy="1481331"/>
+          </a:xfrm>
+          <a:prstGeom prst="rect">
+            <a:avLst/>
+          </a:prstGeom>
+        </p:spPr>
+      </p:pic>
+    </p:spTree>
+    <p:extLst>
+      <p:ext uri="{BB962C8B-B14F-4D97-AF65-F5344CB8AC3E}">
+        <p14:creationId xmlns:p14="http://schemas.microsoft.com/office/powerpoint/2010/main" val="3993080622"/>
+      </p:ext>
+    </p:extLst>
+  </p:cSld>
+  <p:clrMapOvr>
+    <a:masterClrMapping/>
+  </p:clrMapOvr>
+</p:sld>
+</file>
+
+<file path=ppt/slides/slide5.xml><?xml version="1.0" encoding="utf-8"?>
+<p:sld xmlns:a="http://schemas.openxmlformats.org/drawingml/2006/main" xmlns:r="http://schemas.openxmlformats.org/officeDocument/2006/relationships" xmlns:p="http://schemas.openxmlformats.org/presentationml/2006/main">
+  <p:cSld>
+    <p:spTree>
+      <p:nvGrpSpPr>
+        <p:cNvPr id="1" name=""/>
+        <p:cNvGrpSpPr/>
+        <p:nvPr/>
+      </p:nvGrpSpPr>
+      <p:grpSpPr>
+        <a:xfrm>
+          <a:off x="0" y="0"/>
+          <a:ext cx="0" cy="0"/>
+          <a:chOff x="0" y="0"/>
+          <a:chExt cx="0" cy="0"/>
+        </a:xfrm>
+      </p:grpSpPr>
+      <p:sp>
+        <p:nvSpPr>
+          <p:cNvPr id="2" name="タイトル 1">
+            <a:extLst>
+              <a:ext uri="{FF2B5EF4-FFF2-40B4-BE49-F238E27FC236}">
+                <a16:creationId xmlns:a16="http://schemas.microsoft.com/office/drawing/2014/main" id="{4FC88E30-BCF8-83C4-7570-862DDA6AFA23}"/>
+              </a:ext>
+            </a:extLst>
+          </p:cNvPr>
+          <p:cNvSpPr>
+            <a:spLocks noGrp="1"/>
+          </p:cNvSpPr>
+          <p:nvPr>
+            <p:ph type="title"/>
+          </p:nvPr>
+        </p:nvSpPr>
+        <p:spPr/>
+        <p:txBody>
+          <a:bodyPr/>
+          <a:lstStyle/>
+          <a:p>
+            <a:r>
+              <a:rPr kumimoji="1" lang="ja-JP" altLang="en-US" dirty="0"/>
+              <a:t>ノイズの発生要因</a:t>
+            </a:r>
+            <a:r>
+              <a:rPr lang="en-US" altLang="ja-JP" dirty="0"/>
+              <a:t>-thermal</a:t>
+            </a:r>
+            <a:r>
+              <a:rPr lang="ja-JP" altLang="en-US" dirty="0"/>
+              <a:t> </a:t>
+            </a:r>
+            <a:r>
+              <a:rPr lang="en-US" altLang="ja-JP" dirty="0" err="1"/>
+              <a:t>noize</a:t>
+            </a:r>
+            <a:r>
+              <a:rPr lang="en-US" altLang="ja-JP" dirty="0"/>
+              <a:t>-</a:t>
+            </a:r>
+            <a:endParaRPr kumimoji="1" lang="ja-JP" altLang="en-US" dirty="0"/>
+          </a:p>
+        </p:txBody>
+      </p:sp>
+      <p:sp>
+        <p:nvSpPr>
+          <p:cNvPr id="3" name="日付プレースホルダー 2">
+            <a:extLst>
+              <a:ext uri="{FF2B5EF4-FFF2-40B4-BE49-F238E27FC236}">
+                <a16:creationId xmlns:a16="http://schemas.microsoft.com/office/drawing/2014/main" id="{3185A75E-42A8-2E38-72E1-247C4A8B731F}"/>
+              </a:ext>
+            </a:extLst>
+          </p:cNvPr>
+          <p:cNvSpPr>
+            <a:spLocks noGrp="1"/>
+          </p:cNvSpPr>
+          <p:nvPr>
+            <p:ph type="dt" sz="half" idx="10"/>
+          </p:nvPr>
+        </p:nvSpPr>
+        <p:spPr/>
+        <p:txBody>
+          <a:bodyPr/>
+          <a:lstStyle/>
+          <a:p>
+            <a:fld id="{EEA6A375-72BC-45FC-83AA-00EA8839FC12}" type="datetime1">
+              <a:rPr kumimoji="1" lang="ja-JP" altLang="en-US" smtClean="0"/>
+              <a:t>2024/5/9</a:t>
+            </a:fld>
+            <a:endParaRPr kumimoji="1" lang="ja-JP" altLang="en-US"/>
+          </a:p>
+        </p:txBody>
+      </p:sp>
+      <p:sp>
+        <p:nvSpPr>
+          <p:cNvPr id="4" name="スライド番号プレースホルダー 3">
+            <a:extLst>
+              <a:ext uri="{FF2B5EF4-FFF2-40B4-BE49-F238E27FC236}">
+                <a16:creationId xmlns:a16="http://schemas.microsoft.com/office/drawing/2014/main" id="{888D34A7-E577-9D12-8CC9-5B5257D257D7}"/>
+              </a:ext>
+            </a:extLst>
+          </p:cNvPr>
+          <p:cNvSpPr>
+            <a:spLocks noGrp="1"/>
+          </p:cNvSpPr>
+          <p:nvPr>
+            <p:ph type="sldNum" sz="quarter" idx="12"/>
+          </p:nvPr>
+        </p:nvSpPr>
+        <p:spPr/>
+        <p:txBody>
+          <a:bodyPr/>
+          <a:lstStyle/>
+          <a:p>
+            <a:fld id="{6294761A-CFE9-4878-87A7-90ECABD59CE5}" type="slidenum">
+              <a:rPr kumimoji="1" lang="ja-JP" altLang="en-US" smtClean="0"/>
+              <a:t>5</a:t>
             </a:fld>
             <a:endParaRPr kumimoji="1" lang="ja-JP" altLang="en-US"/>
           </a:p>
